--- a/data_and_results/!Reports/yearly reports/2099 - wyniki/2099 - raport finansowy.pptx
+++ b/data_and_results/!Reports/yearly reports/2099 - wyniki/2099 - raport finansowy.pptx
@@ -3180,8 +3180,8 @@
         </p:blipFill>
         <p:spPr>
           <a:xfrm>
-            <a:off x="1371600" y="0"/>
-            <a:ext cx="6858000" cy="6858000"/>
+            <a:off x="457200" y="0"/>
+            <a:ext cx="8229600" cy="6858000"/>
           </a:xfrm>
           <a:prstGeom prst="rect">
             <a:avLst/>
@@ -3222,8 +3222,8 @@
         </p:blipFill>
         <p:spPr>
           <a:xfrm>
-            <a:off x="1371600" y="0"/>
-            <a:ext cx="6858000" cy="6858000"/>
+            <a:off x="457200" y="0"/>
+            <a:ext cx="8229600" cy="6858000"/>
           </a:xfrm>
           <a:prstGeom prst="rect">
             <a:avLst/>
@@ -3264,8 +3264,8 @@
         </p:blipFill>
         <p:spPr>
           <a:xfrm>
-            <a:off x="1371600" y="0"/>
-            <a:ext cx="6858000" cy="6858000"/>
+            <a:off x="457200" y="0"/>
+            <a:ext cx="8229600" cy="6858000"/>
           </a:xfrm>
           <a:prstGeom prst="rect">
             <a:avLst/>
@@ -3306,8 +3306,8 @@
         </p:blipFill>
         <p:spPr>
           <a:xfrm>
-            <a:off x="1371600" y="0"/>
-            <a:ext cx="6858000" cy="6858000"/>
+            <a:off x="457200" y="0"/>
+            <a:ext cx="8229600" cy="6858000"/>
           </a:xfrm>
           <a:prstGeom prst="rect">
             <a:avLst/>
@@ -3754,8 +3754,8 @@
         </p:blipFill>
         <p:spPr>
           <a:xfrm>
-            <a:off x="1371600" y="0"/>
-            <a:ext cx="6858000" cy="6858000"/>
+            <a:off x="457200" y="0"/>
+            <a:ext cx="8229600" cy="6858000"/>
           </a:xfrm>
           <a:prstGeom prst="rect">
             <a:avLst/>
@@ -3796,8 +3796,8 @@
         </p:blipFill>
         <p:spPr>
           <a:xfrm>
-            <a:off x="1371600" y="0"/>
-            <a:ext cx="6858000" cy="6858000"/>
+            <a:off x="457200" y="0"/>
+            <a:ext cx="8229600" cy="6858000"/>
           </a:xfrm>
           <a:prstGeom prst="rect">
             <a:avLst/>
@@ -3838,8 +3838,8 @@
         </p:blipFill>
         <p:spPr>
           <a:xfrm>
-            <a:off x="1371600" y="0"/>
-            <a:ext cx="6858000" cy="6858000"/>
+            <a:off x="457200" y="0"/>
+            <a:ext cx="8229600" cy="6858000"/>
           </a:xfrm>
           <a:prstGeom prst="rect">
             <a:avLst/>
@@ -3880,8 +3880,8 @@
         </p:blipFill>
         <p:spPr>
           <a:xfrm>
-            <a:off x="1371600" y="0"/>
-            <a:ext cx="6858000" cy="6858000"/>
+            <a:off x="457200" y="0"/>
+            <a:ext cx="8229600" cy="6858000"/>
           </a:xfrm>
           <a:prstGeom prst="rect">
             <a:avLst/>
@@ -3922,8 +3922,8 @@
         </p:blipFill>
         <p:spPr>
           <a:xfrm>
-            <a:off x="1371600" y="0"/>
-            <a:ext cx="6858000" cy="6858000"/>
+            <a:off x="457200" y="0"/>
+            <a:ext cx="8229600" cy="6858000"/>
           </a:xfrm>
           <a:prstGeom prst="rect">
             <a:avLst/>
@@ -3964,8 +3964,8 @@
         </p:blipFill>
         <p:spPr>
           <a:xfrm>
-            <a:off x="1371600" y="0"/>
-            <a:ext cx="6858000" cy="6858000"/>
+            <a:off x="457200" y="0"/>
+            <a:ext cx="8229600" cy="6858000"/>
           </a:xfrm>
           <a:prstGeom prst="rect">
             <a:avLst/>
